--- a/46211552_Shahzadi_Shaikh_2022_B06_June_.NetCore_Rashmi.pptx
+++ b/46211552_Shahzadi_Shaikh_2022_B06_June_.NetCore_Rashmi.pptx
@@ -296,7 +296,7 @@
           <a:p>
             <a:fld id="{86C988DC-9DE3-4390-97AB-D61B85DACE57}" type="datetimeFigureOut">
               <a:rPr lang="pt-PT" sz="900" smtClean="0"/>
-              <a:t>28/06/2022</a:t>
+              <a:t>28/09/2022</a:t>
             </a:fld>
             <a:endParaRPr lang="pt-PT" sz="900"/>
           </a:p>
@@ -461,7 +461,7 @@
           <a:p>
             <a:fld id="{0835B8F7-DAC4-4931-8AED-4356A8B2FD64}" type="datetimeFigureOut">
               <a:rPr lang="pt-BR" smtClean="0"/>
-              <a:t>28/06/2022</a:t>
+              <a:t>28/09/2022</a:t>
             </a:fld>
             <a:endParaRPr lang="pt-BR"/>
           </a:p>
@@ -696,6 +696,90 @@
 </p:notesMaster>
 </file>
 
+<file path=ppt/notesSlides/notesSlide1.xml><?xml version="1.0" encoding="utf-8"?>
+<p:notes xmlns:a="http://schemas.openxmlformats.org/drawingml/2006/main" xmlns:r="http://schemas.openxmlformats.org/officeDocument/2006/relationships" xmlns:p="http://schemas.openxmlformats.org/presentationml/2006/main">
+  <p:cSld>
+    <p:spTree>
+      <p:nvGrpSpPr>
+        <p:cNvPr id="1" name=""/>
+        <p:cNvGrpSpPr/>
+        <p:nvPr/>
+      </p:nvGrpSpPr>
+      <p:grpSpPr>
+        <a:xfrm>
+          <a:off x="0" y="0"/>
+          <a:ext cx="0" cy="0"/>
+          <a:chOff x="0" y="0"/>
+          <a:chExt cx="0" cy="0"/>
+        </a:xfrm>
+      </p:grpSpPr>
+      <p:sp>
+        <p:nvSpPr>
+          <p:cNvPr id="2" name="Slide Image Placeholder 1"/>
+          <p:cNvSpPr>
+            <a:spLocks noGrp="1" noRot="1" noChangeAspect="1"/>
+          </p:cNvSpPr>
+          <p:nvPr>
+            <p:ph type="sldImg"/>
+          </p:nvPr>
+        </p:nvSpPr>
+        <p:spPr/>
+      </p:sp>
+      <p:sp>
+        <p:nvSpPr>
+          <p:cNvPr id="3" name="Notes Placeholder 2"/>
+          <p:cNvSpPr>
+            <a:spLocks noGrp="1"/>
+          </p:cNvSpPr>
+          <p:nvPr>
+            <p:ph type="body" idx="1"/>
+          </p:nvPr>
+        </p:nvSpPr>
+        <p:spPr/>
+        <p:txBody>
+          <a:bodyPr/>
+          <a:lstStyle/>
+          <a:p>
+            <a:endParaRPr lang="en-IN" dirty="0"/>
+          </a:p>
+        </p:txBody>
+      </p:sp>
+      <p:sp>
+        <p:nvSpPr>
+          <p:cNvPr id="4" name="Slide Number Placeholder 3"/>
+          <p:cNvSpPr>
+            <a:spLocks noGrp="1"/>
+          </p:cNvSpPr>
+          <p:nvPr>
+            <p:ph type="sldNum" sz="quarter" idx="5"/>
+          </p:nvPr>
+        </p:nvSpPr>
+        <p:spPr/>
+        <p:txBody>
+          <a:bodyPr/>
+          <a:lstStyle/>
+          <a:p>
+            <a:fld id="{C0696B5C-12A0-4042-B4D0-BD3B9A4F58C6}" type="slidenum">
+              <a:rPr lang="pt-BR" smtClean="0"/>
+              <a:t>1</a:t>
+            </a:fld>
+            <a:endParaRPr lang="pt-BR"/>
+          </a:p>
+        </p:txBody>
+      </p:sp>
+    </p:spTree>
+    <p:extLst>
+      <p:ext uri="{BB962C8B-B14F-4D97-AF65-F5344CB8AC3E}">
+        <p14:creationId xmlns:p14="http://schemas.microsoft.com/office/powerpoint/2010/main" val="2881063896"/>
+      </p:ext>
+    </p:extLst>
+  </p:cSld>
+  <p:clrMapOvr>
+    <a:masterClrMapping/>
+  </p:clrMapOvr>
+</p:notes>
+</file>
+
 <file path=ppt/slideLayouts/slideLayout1.xml><?xml version="1.0" encoding="utf-8"?>
 <p:sldLayout xmlns:a="http://schemas.openxmlformats.org/drawingml/2006/main" xmlns:r="http://schemas.openxmlformats.org/officeDocument/2006/relationships" xmlns:p="http://schemas.openxmlformats.org/presentationml/2006/main" preserve="1">
   <p:cSld name="Content Master">
@@ -721,7 +805,7 @@
           </p:cNvGraphicFramePr>
           <p:nvPr>
             <p:custDataLst>
-              <p:tags r:id="rId1"/>
+              <p:tags r:id="rId2"/>
             </p:custDataLst>
           </p:nvPr>
         </p:nvGraphicFramePr>
@@ -733,12 +817,12 @@
           <a:graphicData uri="http://schemas.openxmlformats.org/presentationml/2006/ole">
             <mc:AlternateContent xmlns:mc="http://schemas.openxmlformats.org/markup-compatibility/2006">
               <mc:Choice xmlns:v="urn:schemas-microsoft-com:vml" Requires="v">
-                <p:oleObj name="think-cell Slide" r:id="rId5" imgW="12700" imgH="12700" progId="">
+                <p:oleObj spid="_x0000_s2054" name="think-cell Slide" r:id="rId6" imgW="12700" imgH="12700" progId="">
                   <p:embed/>
                 </p:oleObj>
               </mc:Choice>
               <mc:Fallback>
-                <p:oleObj name="think-cell Slide" r:id="rId5" imgW="12700" imgH="12700" progId="">
+                <p:oleObj name="think-cell Slide" r:id="rId6" imgW="12700" imgH="12700" progId="">
                   <p:embed/>
                   <p:pic>
                     <p:nvPicPr>
@@ -749,7 +833,7 @@
                       <p:nvPr/>
                     </p:nvPicPr>
                     <p:blipFill>
-                      <a:blip r:embed="rId6">
+                      <a:blip r:embed="rId7">
                         <a:extLst>
                           <a:ext uri="{28A0092B-C50C-407E-A947-70E740481C1C}">
                             <a14:useLocalDpi xmlns:a14="http://schemas.microsoft.com/office/drawing/2010/main" val="0"/>
@@ -796,7 +880,7 @@
           <p:nvPr>
             <p:ph type="title"/>
             <p:custDataLst>
-              <p:tags r:id="rId2"/>
+              <p:tags r:id="rId3"/>
             </p:custDataLst>
           </p:nvPr>
         </p:nvSpPr>
@@ -826,7 +910,7 @@
           <p:nvPr>
             <p:ph idx="1" hasCustomPrompt="1"/>
             <p:custDataLst>
-              <p:tags r:id="rId3"/>
+              <p:tags r:id="rId4"/>
             </p:custDataLst>
           </p:nvPr>
         </p:nvSpPr>
@@ -2076,7 +2160,7 @@
           </p:cNvGraphicFramePr>
           <p:nvPr>
             <p:custDataLst>
-              <p:tags r:id="rId1"/>
+              <p:tags r:id="rId2"/>
             </p:custDataLst>
           </p:nvPr>
         </p:nvGraphicFramePr>
@@ -2088,12 +2172,12 @@
           <a:graphicData uri="http://schemas.openxmlformats.org/presentationml/2006/ole">
             <mc:AlternateContent xmlns:mc="http://schemas.openxmlformats.org/markup-compatibility/2006">
               <mc:Choice xmlns:v="urn:schemas-microsoft-com:vml" Requires="v">
-                <p:oleObj name="think-cell Slide" r:id="rId3" imgW="12700" imgH="12700" progId="TCLayout.ActiveDocument.1">
+                <p:oleObj spid="_x0000_s8198" name="think-cell Slide" r:id="rId4" imgW="12700" imgH="12700" progId="TCLayout.ActiveDocument.1">
                   <p:embed/>
                 </p:oleObj>
               </mc:Choice>
               <mc:Fallback>
-                <p:oleObj name="think-cell Slide" r:id="rId3" imgW="12700" imgH="12700" progId="TCLayout.ActiveDocument.1">
+                <p:oleObj name="think-cell Slide" r:id="rId4" imgW="12700" imgH="12700" progId="TCLayout.ActiveDocument.1">
                   <p:embed/>
                   <p:pic>
                     <p:nvPicPr>
@@ -2104,7 +2188,7 @@
                       <p:nvPr/>
                     </p:nvPicPr>
                     <p:blipFill>
-                      <a:blip r:embed="rId4">
+                      <a:blip r:embed="rId5">
                         <a:extLst>
                           <a:ext uri="{28A0092B-C50C-407E-A947-70E740481C1C}">
                             <a14:useLocalDpi xmlns:a14="http://schemas.microsoft.com/office/drawing/2010/main" val="0"/>
@@ -2537,7 +2621,7 @@
           </p:cNvGraphicFramePr>
           <p:nvPr>
             <p:custDataLst>
-              <p:tags r:id="rId1"/>
+              <p:tags r:id="rId2"/>
             </p:custDataLst>
           </p:nvPr>
         </p:nvGraphicFramePr>
@@ -2549,12 +2633,12 @@
           <a:graphicData uri="http://schemas.openxmlformats.org/presentationml/2006/ole">
             <mc:AlternateContent xmlns:mc="http://schemas.openxmlformats.org/markup-compatibility/2006">
               <mc:Choice xmlns:v="urn:schemas-microsoft-com:vml" Requires="v">
-                <p:oleObj name="think-cell Slide" r:id="rId3" imgW="12700" imgH="12700" progId="TCLayout.ActiveDocument.1">
+                <p:oleObj spid="_x0000_s9222" name="think-cell Slide" r:id="rId4" imgW="12700" imgH="12700" progId="TCLayout.ActiveDocument.1">
                   <p:embed/>
                 </p:oleObj>
               </mc:Choice>
               <mc:Fallback>
-                <p:oleObj name="think-cell Slide" r:id="rId3" imgW="12700" imgH="12700" progId="TCLayout.ActiveDocument.1">
+                <p:oleObj name="think-cell Slide" r:id="rId4" imgW="12700" imgH="12700" progId="TCLayout.ActiveDocument.1">
                   <p:embed/>
                   <p:pic>
                     <p:nvPicPr>
@@ -2565,7 +2649,7 @@
                       <p:nvPr/>
                     </p:nvPicPr>
                     <p:blipFill>
-                      <a:blip r:embed="rId4">
+                      <a:blip r:embed="rId5">
                         <a:extLst>
                           <a:ext uri="{28A0092B-C50C-407E-A947-70E740481C1C}">
                             <a14:useLocalDpi xmlns:a14="http://schemas.microsoft.com/office/drawing/2010/main" val="0"/>
@@ -2659,7 +2743,7 @@
           </p:cNvGraphicFramePr>
           <p:nvPr>
             <p:custDataLst>
-              <p:tags r:id="rId1"/>
+              <p:tags r:id="rId2"/>
             </p:custDataLst>
           </p:nvPr>
         </p:nvGraphicFramePr>
@@ -2671,12 +2755,12 @@
           <a:graphicData uri="http://schemas.openxmlformats.org/presentationml/2006/ole">
             <mc:AlternateContent xmlns:mc="http://schemas.openxmlformats.org/markup-compatibility/2006">
               <mc:Choice xmlns:v="urn:schemas-microsoft-com:vml" Requires="v">
-                <p:oleObj name="think-cell Slide" r:id="rId3" imgW="12700" imgH="12700" progId="TCLayout.ActiveDocument.1">
+                <p:oleObj spid="_x0000_s10246" name="think-cell Slide" r:id="rId4" imgW="12700" imgH="12700" progId="TCLayout.ActiveDocument.1">
                   <p:embed/>
                 </p:oleObj>
               </mc:Choice>
               <mc:Fallback>
-                <p:oleObj name="think-cell Slide" r:id="rId3" imgW="12700" imgH="12700" progId="TCLayout.ActiveDocument.1">
+                <p:oleObj name="think-cell Slide" r:id="rId4" imgW="12700" imgH="12700" progId="TCLayout.ActiveDocument.1">
                   <p:embed/>
                   <p:pic>
                     <p:nvPicPr>
@@ -2687,7 +2771,7 @@
                       <p:nvPr/>
                     </p:nvPicPr>
                     <p:blipFill>
-                      <a:blip r:embed="rId4">
+                      <a:blip r:embed="rId5">
                         <a:extLst>
                           <a:ext uri="{28A0092B-C50C-407E-A947-70E740481C1C}">
                             <a14:useLocalDpi xmlns:a14="http://schemas.microsoft.com/office/drawing/2010/main" val="0"/>
@@ -4104,7 +4188,7 @@
           </p:cNvGraphicFramePr>
           <p:nvPr>
             <p:custDataLst>
-              <p:tags r:id="rId1"/>
+              <p:tags r:id="rId2"/>
             </p:custDataLst>
           </p:nvPr>
         </p:nvGraphicFramePr>
@@ -4116,12 +4200,12 @@
           <a:graphicData uri="http://schemas.openxmlformats.org/presentationml/2006/ole">
             <mc:AlternateContent xmlns:mc="http://schemas.openxmlformats.org/markup-compatibility/2006">
               <mc:Choice xmlns:v="urn:schemas-microsoft-com:vml" Requires="v">
-                <p:oleObj name="think-cell Slide" r:id="rId6" imgW="12700" imgH="12700" progId="">
+                <p:oleObj spid="_x0000_s3078" name="think-cell Slide" r:id="rId7" imgW="12700" imgH="12700" progId="">
                   <p:embed/>
                 </p:oleObj>
               </mc:Choice>
               <mc:Fallback>
-                <p:oleObj name="think-cell Slide" r:id="rId6" imgW="12700" imgH="12700" progId="">
+                <p:oleObj name="think-cell Slide" r:id="rId7" imgW="12700" imgH="12700" progId="">
                   <p:embed/>
                   <p:pic>
                     <p:nvPicPr>
@@ -4132,7 +4216,7 @@
                       <p:nvPr/>
                     </p:nvPicPr>
                     <p:blipFill>
-                      <a:blip r:embed="rId7">
+                      <a:blip r:embed="rId8">
                         <a:extLst>
                           <a:ext uri="{28A0092B-C50C-407E-A947-70E740481C1C}">
                             <a14:useLocalDpi xmlns:a14="http://schemas.microsoft.com/office/drawing/2010/main" val="0"/>
@@ -4179,7 +4263,7 @@
           <p:nvPr>
             <p:ph type="title"/>
             <p:custDataLst>
-              <p:tags r:id="rId2"/>
+              <p:tags r:id="rId3"/>
             </p:custDataLst>
           </p:nvPr>
         </p:nvSpPr>
@@ -4209,7 +4293,7 @@
           <p:nvPr>
             <p:ph idx="1" hasCustomPrompt="1"/>
             <p:custDataLst>
-              <p:tags r:id="rId3"/>
+              <p:tags r:id="rId4"/>
             </p:custDataLst>
           </p:nvPr>
         </p:nvSpPr>
@@ -4265,7 +4349,7 @@
           <p:nvPr>
             <p:ph type="body" sz="quarter" idx="11" hasCustomPrompt="1"/>
             <p:custDataLst>
-              <p:tags r:id="rId4"/>
+              <p:tags r:id="rId5"/>
             </p:custDataLst>
           </p:nvPr>
         </p:nvSpPr>
@@ -4957,7 +5041,7 @@
           </p:cNvGraphicFramePr>
           <p:nvPr>
             <p:custDataLst>
-              <p:tags r:id="rId1"/>
+              <p:tags r:id="rId2"/>
             </p:custDataLst>
           </p:nvPr>
         </p:nvGraphicFramePr>
@@ -4969,12 +5053,12 @@
           <a:graphicData uri="http://schemas.openxmlformats.org/presentationml/2006/ole">
             <mc:AlternateContent xmlns:mc="http://schemas.openxmlformats.org/markup-compatibility/2006">
               <mc:Choice xmlns:v="urn:schemas-microsoft-com:vml" Requires="v">
-                <p:oleObj name="think-cell Slide" r:id="rId3" imgW="12700" imgH="12700" progId="TCLayout.ActiveDocument.1">
+                <p:oleObj spid="_x0000_s12294" name="think-cell Slide" r:id="rId4" imgW="12700" imgH="12700" progId="TCLayout.ActiveDocument.1">
                   <p:embed/>
                 </p:oleObj>
               </mc:Choice>
               <mc:Fallback>
-                <p:oleObj name="think-cell Slide" r:id="rId3" imgW="12700" imgH="12700" progId="TCLayout.ActiveDocument.1">
+                <p:oleObj name="think-cell Slide" r:id="rId4" imgW="12700" imgH="12700" progId="TCLayout.ActiveDocument.1">
                   <p:embed/>
                   <p:pic>
                     <p:nvPicPr>
@@ -4985,7 +5069,7 @@
                       <p:nvPr/>
                     </p:nvPicPr>
                     <p:blipFill>
-                      <a:blip r:embed="rId4">
+                      <a:blip r:embed="rId5">
                         <a:extLst>
                           <a:ext uri="{28A0092B-C50C-407E-A947-70E740481C1C}">
                             <a14:useLocalDpi xmlns:a14="http://schemas.microsoft.com/office/drawing/2010/main" val="0"/>
@@ -5418,7 +5502,7 @@
           </p:cNvGraphicFramePr>
           <p:nvPr>
             <p:custDataLst>
-              <p:tags r:id="rId1"/>
+              <p:tags r:id="rId2"/>
             </p:custDataLst>
           </p:nvPr>
         </p:nvGraphicFramePr>
@@ -5430,12 +5514,12 @@
           <a:graphicData uri="http://schemas.openxmlformats.org/presentationml/2006/ole">
             <mc:AlternateContent xmlns:mc="http://schemas.openxmlformats.org/markup-compatibility/2006">
               <mc:Choice xmlns:v="urn:schemas-microsoft-com:vml" Requires="v">
-                <p:oleObj name="think-cell Slide" r:id="rId3" imgW="12700" imgH="12700" progId="TCLayout.ActiveDocument.1">
+                <p:oleObj spid="_x0000_s13318" name="think-cell Slide" r:id="rId4" imgW="12700" imgH="12700" progId="TCLayout.ActiveDocument.1">
                   <p:embed/>
                 </p:oleObj>
               </mc:Choice>
               <mc:Fallback>
-                <p:oleObj name="think-cell Slide" r:id="rId3" imgW="12700" imgH="12700" progId="TCLayout.ActiveDocument.1">
+                <p:oleObj name="think-cell Slide" r:id="rId4" imgW="12700" imgH="12700" progId="TCLayout.ActiveDocument.1">
                   <p:embed/>
                   <p:pic>
                     <p:nvPicPr>
@@ -5446,7 +5530,7 @@
                       <p:nvPr/>
                     </p:nvPicPr>
                     <p:blipFill>
-                      <a:blip r:embed="rId4">
+                      <a:blip r:embed="rId5">
                         <a:extLst>
                           <a:ext uri="{28A0092B-C50C-407E-A947-70E740481C1C}">
                             <a14:useLocalDpi xmlns:a14="http://schemas.microsoft.com/office/drawing/2010/main" val="0"/>
@@ -7783,7 +7867,7 @@
           </p:cNvGraphicFramePr>
           <p:nvPr>
             <p:custDataLst>
-              <p:tags r:id="rId1"/>
+              <p:tags r:id="rId2"/>
             </p:custDataLst>
           </p:nvPr>
         </p:nvGraphicFramePr>
@@ -7795,12 +7879,12 @@
           <a:graphicData uri="http://schemas.openxmlformats.org/presentationml/2006/ole">
             <mc:AlternateContent xmlns:mc="http://schemas.openxmlformats.org/markup-compatibility/2006">
               <mc:Choice xmlns:v="urn:schemas-microsoft-com:vml" Requires="v">
-                <p:oleObj name="think-cell Slide" r:id="rId6" imgW="12700" imgH="12700" progId="">
+                <p:oleObj spid="_x0000_s4102" name="think-cell Slide" r:id="rId7" imgW="12700" imgH="12700" progId="">
                   <p:embed/>
                 </p:oleObj>
               </mc:Choice>
               <mc:Fallback>
-                <p:oleObj name="think-cell Slide" r:id="rId6" imgW="12700" imgH="12700" progId="">
+                <p:oleObj name="think-cell Slide" r:id="rId7" imgW="12700" imgH="12700" progId="">
                   <p:embed/>
                   <p:pic>
                     <p:nvPicPr>
@@ -7811,7 +7895,7 @@
                       <p:nvPr/>
                     </p:nvPicPr>
                     <p:blipFill>
-                      <a:blip r:embed="rId7">
+                      <a:blip r:embed="rId8">
                         <a:extLst>
                           <a:ext uri="{28A0092B-C50C-407E-A947-70E740481C1C}">
                             <a14:useLocalDpi xmlns:a14="http://schemas.microsoft.com/office/drawing/2010/main" val="0"/>
@@ -7858,7 +7942,7 @@
           <p:nvPr>
             <p:ph type="title"/>
             <p:custDataLst>
-              <p:tags r:id="rId2"/>
+              <p:tags r:id="rId3"/>
             </p:custDataLst>
           </p:nvPr>
         </p:nvSpPr>
@@ -7888,7 +7972,7 @@
           <p:nvPr>
             <p:ph sz="quarter" idx="10" hasCustomPrompt="1"/>
             <p:custDataLst>
-              <p:tags r:id="rId3"/>
+              <p:tags r:id="rId4"/>
             </p:custDataLst>
           </p:nvPr>
         </p:nvSpPr>
@@ -7944,7 +8028,7 @@
           <p:nvPr>
             <p:ph sz="quarter" idx="11" hasCustomPrompt="1"/>
             <p:custDataLst>
-              <p:tags r:id="rId4"/>
+              <p:tags r:id="rId5"/>
             </p:custDataLst>
           </p:nvPr>
         </p:nvSpPr>
@@ -8024,7 +8108,7 @@
           </p:cNvGraphicFramePr>
           <p:nvPr>
             <p:custDataLst>
-              <p:tags r:id="rId1"/>
+              <p:tags r:id="rId2"/>
             </p:custDataLst>
           </p:nvPr>
         </p:nvGraphicFramePr>
@@ -8036,12 +8120,12 @@
           <a:graphicData uri="http://schemas.openxmlformats.org/presentationml/2006/ole">
             <mc:AlternateContent xmlns:mc="http://schemas.openxmlformats.org/markup-compatibility/2006">
               <mc:Choice xmlns:v="urn:schemas-microsoft-com:vml" Requires="v">
-                <p:oleObj name="think-cell Slide" r:id="rId8" imgW="12700" imgH="12700" progId="">
+                <p:oleObj spid="_x0000_s5126" name="think-cell Slide" r:id="rId9" imgW="12700" imgH="12700" progId="">
                   <p:embed/>
                 </p:oleObj>
               </mc:Choice>
               <mc:Fallback>
-                <p:oleObj name="think-cell Slide" r:id="rId8" imgW="12700" imgH="12700" progId="">
+                <p:oleObj name="think-cell Slide" r:id="rId9" imgW="12700" imgH="12700" progId="">
                   <p:embed/>
                   <p:pic>
                     <p:nvPicPr>
@@ -8052,7 +8136,7 @@
                       <p:nvPr/>
                     </p:nvPicPr>
                     <p:blipFill>
-                      <a:blip r:embed="rId9">
+                      <a:blip r:embed="rId10">
                         <a:extLst>
                           <a:ext uri="{28A0092B-C50C-407E-A947-70E740481C1C}">
                             <a14:useLocalDpi xmlns:a14="http://schemas.microsoft.com/office/drawing/2010/main" val="0"/>
@@ -8099,7 +8183,7 @@
           <p:nvPr>
             <p:ph type="title"/>
             <p:custDataLst>
-              <p:tags r:id="rId2"/>
+              <p:tags r:id="rId3"/>
             </p:custDataLst>
           </p:nvPr>
         </p:nvSpPr>
@@ -8129,7 +8213,7 @@
           <p:nvPr>
             <p:ph sz="quarter" idx="10" hasCustomPrompt="1"/>
             <p:custDataLst>
-              <p:tags r:id="rId3"/>
+              <p:tags r:id="rId4"/>
             </p:custDataLst>
           </p:nvPr>
         </p:nvSpPr>
@@ -8194,7 +8278,7 @@
           <p:nvPr>
             <p:ph sz="quarter" idx="11" hasCustomPrompt="1"/>
             <p:custDataLst>
-              <p:tags r:id="rId4"/>
+              <p:tags r:id="rId5"/>
             </p:custDataLst>
           </p:nvPr>
         </p:nvSpPr>
@@ -8259,7 +8343,7 @@
           <p:nvPr>
             <p:ph type="body" sz="quarter" idx="12" hasCustomPrompt="1"/>
             <p:custDataLst>
-              <p:tags r:id="rId5"/>
+              <p:tags r:id="rId6"/>
             </p:custDataLst>
           </p:nvPr>
         </p:nvSpPr>
@@ -8305,7 +8389,7 @@
           <p:nvPr>
             <p:ph type="body" sz="quarter" idx="13" hasCustomPrompt="1"/>
             <p:custDataLst>
-              <p:tags r:id="rId6"/>
+              <p:tags r:id="rId7"/>
             </p:custDataLst>
           </p:nvPr>
         </p:nvSpPr>
@@ -9191,7 +9275,7 @@
           </p:cNvGraphicFramePr>
           <p:nvPr>
             <p:custDataLst>
-              <p:tags r:id="rId1"/>
+              <p:tags r:id="rId2"/>
             </p:custDataLst>
           </p:nvPr>
         </p:nvGraphicFramePr>
@@ -9203,12 +9287,12 @@
           <a:graphicData uri="http://schemas.openxmlformats.org/presentationml/2006/ole">
             <mc:AlternateContent xmlns:mc="http://schemas.openxmlformats.org/markup-compatibility/2006">
               <mc:Choice xmlns:v="urn:schemas-microsoft-com:vml" Requires="v">
-                <p:oleObj name="think-cell Slide" r:id="rId4" imgW="12700" imgH="12700" progId="">
+                <p:oleObj spid="_x0000_s6150" name="think-cell Slide" r:id="rId5" imgW="12700" imgH="12700" progId="">
                   <p:embed/>
                 </p:oleObj>
               </mc:Choice>
               <mc:Fallback>
-                <p:oleObj name="think-cell Slide" r:id="rId4" imgW="12700" imgH="12700" progId="">
+                <p:oleObj name="think-cell Slide" r:id="rId5" imgW="12700" imgH="12700" progId="">
                   <p:embed/>
                   <p:pic>
                     <p:nvPicPr>
@@ -9219,7 +9303,7 @@
                       <p:nvPr/>
                     </p:nvPicPr>
                     <p:blipFill>
-                      <a:blip r:embed="rId5">
+                      <a:blip r:embed="rId6">
                         <a:extLst>
                           <a:ext uri="{28A0092B-C50C-407E-A947-70E740481C1C}">
                             <a14:useLocalDpi xmlns:a14="http://schemas.microsoft.com/office/drawing/2010/main" val="0"/>
@@ -9266,7 +9350,7 @@
           <p:nvPr>
             <p:ph type="title"/>
             <p:custDataLst>
-              <p:tags r:id="rId2"/>
+              <p:tags r:id="rId3"/>
             </p:custDataLst>
           </p:nvPr>
         </p:nvSpPr>
@@ -9320,7 +9404,7 @@
           </p:cNvGraphicFramePr>
           <p:nvPr>
             <p:custDataLst>
-              <p:tags r:id="rId1"/>
+              <p:tags r:id="rId2"/>
             </p:custDataLst>
           </p:nvPr>
         </p:nvGraphicFramePr>
@@ -9332,12 +9416,12 @@
           <a:graphicData uri="http://schemas.openxmlformats.org/presentationml/2006/ole">
             <mc:AlternateContent xmlns:mc="http://schemas.openxmlformats.org/markup-compatibility/2006">
               <mc:Choice xmlns:v="urn:schemas-microsoft-com:vml" Requires="v">
-                <p:oleObj name="think-cell Slide" r:id="rId3" imgW="12700" imgH="12700" progId="">
+                <p:oleObj spid="_x0000_s7174" name="think-cell Slide" r:id="rId4" imgW="12700" imgH="12700" progId="">
                   <p:embed/>
                 </p:oleObj>
               </mc:Choice>
               <mc:Fallback>
-                <p:oleObj name="think-cell Slide" r:id="rId3" imgW="12700" imgH="12700" progId="">
+                <p:oleObj name="think-cell Slide" r:id="rId4" imgW="12700" imgH="12700" progId="">
                   <p:embed/>
                   <p:pic>
                     <p:nvPicPr>
@@ -9348,7 +9432,7 @@
                       <p:nvPr/>
                     </p:nvPicPr>
                     <p:blipFill>
-                      <a:blip r:embed="rId4">
+                      <a:blip r:embed="rId5">
                         <a:extLst>
                           <a:ext uri="{28A0092B-C50C-407E-A947-70E740481C1C}">
                             <a14:useLocalDpi xmlns:a14="http://schemas.microsoft.com/office/drawing/2010/main" val="0"/>
@@ -9518,7 +9602,7 @@
           <a:p>
             <a:fld id="{425404F2-BE9A-4460-8815-8F645183555F}" type="datetimeFigureOut">
               <a:rPr lang="en-US" smtClean="0"/>
-              <a:t>6/28/2022</a:t>
+              <a:t>9/28/2022</a:t>
             </a:fld>
             <a:endParaRPr lang="en-US"/>
           </a:p>
@@ -9710,7 +9794,7 @@
           </p:cNvGraphicFramePr>
           <p:nvPr>
             <p:custDataLst>
-              <p:tags r:id="rId18"/>
+              <p:tags r:id="rId19"/>
             </p:custDataLst>
           </p:nvPr>
         </p:nvGraphicFramePr>
@@ -9722,12 +9806,12 @@
           <a:graphicData uri="http://schemas.openxmlformats.org/presentationml/2006/ole">
             <mc:AlternateContent xmlns:mc="http://schemas.openxmlformats.org/markup-compatibility/2006">
               <mc:Choice xmlns:v="urn:schemas-microsoft-com:vml" Requires="v">
-                <p:oleObj name="think-cell Slide" r:id="rId24" imgW="12700" imgH="12700" progId="">
+                <p:oleObj spid="_x0000_s1030" name="think-cell Slide" r:id="rId25" imgW="12700" imgH="12700" progId="">
                   <p:embed/>
                 </p:oleObj>
               </mc:Choice>
               <mc:Fallback>
-                <p:oleObj name="think-cell Slide" r:id="rId24" imgW="12700" imgH="12700" progId="">
+                <p:oleObj name="think-cell Slide" r:id="rId25" imgW="12700" imgH="12700" progId="">
                   <p:embed/>
                   <p:pic>
                     <p:nvPicPr>
@@ -9738,7 +9822,7 @@
                       <p:nvPr/>
                     </p:nvPicPr>
                     <p:blipFill>
-                      <a:blip r:embed="rId25">
+                      <a:blip r:embed="rId26">
                         <a:extLst>
                           <a:ext uri="{28A0092B-C50C-407E-A947-70E740481C1C}">
                             <a14:useLocalDpi xmlns:a14="http://schemas.microsoft.com/office/drawing/2010/main" val="0"/>
@@ -9785,7 +9869,7 @@
           <p:nvPr>
             <p:ph type="title"/>
             <p:custDataLst>
-              <p:tags r:id="rId19"/>
+              <p:tags r:id="rId20"/>
             </p:custDataLst>
           </p:nvPr>
         </p:nvSpPr>
@@ -9821,7 +9905,7 @@
           <p:nvPr>
             <p:ph type="body" idx="1"/>
             <p:custDataLst>
-              <p:tags r:id="rId20"/>
+              <p:tags r:id="rId21"/>
             </p:custDataLst>
           </p:nvPr>
         </p:nvSpPr>
@@ -9875,7 +9959,7 @@
           <p:cNvSpPr/>
           <p:nvPr>
             <p:custDataLst>
-              <p:tags r:id="rId21"/>
+              <p:tags r:id="rId22"/>
             </p:custDataLst>
           </p:nvPr>
         </p:nvSpPr>
@@ -10012,7 +10096,7 @@
           <p:cNvCxnSpPr/>
           <p:nvPr>
             <p:custDataLst>
-              <p:tags r:id="rId22"/>
+              <p:tags r:id="rId23"/>
             </p:custDataLst>
           </p:nvPr>
         </p:nvCxnSpPr>
@@ -10311,7 +10395,7 @@
           </p:cNvSpPr>
           <p:nvPr>
             <p:custDataLst>
-              <p:tags r:id="rId23"/>
+              <p:tags r:id="rId24"/>
             </p:custDataLst>
           </p:nvPr>
         </p:nvSpPr>
@@ -12211,7 +12295,7 @@
           </p:cNvGraphicFramePr>
           <p:nvPr>
             <p:custDataLst>
-              <p:tags r:id="rId10"/>
+              <p:tags r:id="rId11"/>
             </p:custDataLst>
           </p:nvPr>
         </p:nvGraphicFramePr>
@@ -12223,12 +12307,12 @@
           <a:graphicData uri="http://schemas.openxmlformats.org/presentationml/2006/ole">
             <mc:AlternateContent xmlns:mc="http://schemas.openxmlformats.org/markup-compatibility/2006">
               <mc:Choice xmlns:v="urn:schemas-microsoft-com:vml" Requires="v">
-                <p:oleObj name="think-cell Slide" r:id="rId11" imgW="12700" imgH="12700" progId="TCLayout.ActiveDocument.1">
+                <p:oleObj spid="_x0000_s11270" name="think-cell Slide" r:id="rId12" imgW="12700" imgH="12700" progId="TCLayout.ActiveDocument.1">
                   <p:embed/>
                 </p:oleObj>
               </mc:Choice>
               <mc:Fallback>
-                <p:oleObj name="think-cell Slide" r:id="rId11" imgW="12700" imgH="12700" progId="TCLayout.ActiveDocument.1">
+                <p:oleObj name="think-cell Slide" r:id="rId12" imgW="12700" imgH="12700" progId="TCLayout.ActiveDocument.1">
                   <p:embed/>
                   <p:pic>
                     <p:nvPicPr>
@@ -12239,7 +12323,7 @@
                       <p:nvPr/>
                     </p:nvPicPr>
                     <p:blipFill>
-                      <a:blip r:embed="rId12">
+                      <a:blip r:embed="rId13">
                         <a:extLst>
                           <a:ext uri="{28A0092B-C50C-407E-A947-70E740481C1C}">
                             <a14:useLocalDpi xmlns:a14="http://schemas.microsoft.com/office/drawing/2010/main" val="0"/>
@@ -14375,8 +14459,8 @@
         </p:nvSpPr>
         <p:spPr>
           <a:xfrm flipH="1">
-            <a:off x="761999" y="3036713"/>
-            <a:ext cx="3823761" cy="2983087"/>
+            <a:off x="761993" y="2872610"/>
+            <a:ext cx="3823761" cy="2661663"/>
           </a:xfrm>
           <a:prstGeom prst="rect">
             <a:avLst/>
@@ -14563,6 +14647,11 @@
             </a:lvl9pPr>
           </a:lstStyle>
           <a:p>
+            <a:pPr>
+              <a:lnSpc>
+                <a:spcPct val="150000"/>
+              </a:lnSpc>
+            </a:pPr>
             <a:r>
               <a:rPr lang="en-US" altLang="en-US" sz="1200" b="1" dirty="0"/>
               <a:t>  Full Stack Developer :</a:t>
@@ -14570,6 +14659,9 @@
           </a:p>
           <a:p>
             <a:pPr marL="171450" indent="-171450">
+              <a:lnSpc>
+                <a:spcPct val="150000"/>
+              </a:lnSpc>
               <a:buFont typeface="Arial" panose="020B0604020202020204" pitchFamily="34" charset="0"/>
               <a:buChar char="•"/>
             </a:pPr>
@@ -14577,7 +14669,7 @@
               <a:rPr lang="en-US" sz="1200" dirty="0">
                 <a:cs typeface="Times New Roman" panose="02020603050405020304" pitchFamily="18" charset="0"/>
               </a:rPr>
-              <a:t>Hands on experience on </a:t>
+              <a:t>Hands on experience in </a:t>
             </a:r>
             <a:r>
               <a:rPr lang="en-US" sz="1200" b="1" dirty="0" err="1">
@@ -14609,19 +14701,7 @@
               <a:rPr lang="en-US" sz="1200" b="1" dirty="0" err="1">
                 <a:cs typeface="Times New Roman" panose="02020603050405020304" pitchFamily="18" charset="0"/>
               </a:rPr>
-              <a:t>Basics,HTML,CSS,TypeScript</a:t>
-            </a:r>
-            <a:r>
-              <a:rPr lang="en-US" sz="1200" b="1" dirty="0">
-                <a:cs typeface="Times New Roman" panose="02020603050405020304" pitchFamily="18" charset="0"/>
-              </a:rPr>
-              <a:t> </a:t>
-            </a:r>
-            <a:r>
-              <a:rPr lang="en-US" sz="1200" b="1" dirty="0" err="1">
-                <a:cs typeface="Times New Roman" panose="02020603050405020304" pitchFamily="18" charset="0"/>
-              </a:rPr>
-              <a:t>Baiscs,Angular</a:t>
+              <a:t>Basics,HTML,CSS,,Angular</a:t>
             </a:r>
             <a:r>
               <a:rPr lang="en-US" sz="1200" b="1" dirty="0">
@@ -14632,6 +14712,9 @@
           </a:p>
           <a:p>
             <a:pPr marL="171450" indent="-171450">
+              <a:lnSpc>
+                <a:spcPct val="150000"/>
+              </a:lnSpc>
               <a:buFont typeface="Arial" panose="020B0604020202020204" pitchFamily="34" charset="0"/>
               <a:buChar char="•"/>
             </a:pPr>
@@ -14647,21 +14730,21 @@
                 <a:cs typeface="Times New Roman" panose="02020603050405020304" pitchFamily="18" charset="0"/>
                 <a:sym typeface="+mn-ea"/>
               </a:rPr>
-              <a:t>Linux, AWS,    Word Press, C++ </a:t>
+              <a:t>Linux, AWS, C++ </a:t>
             </a:r>
             <a:r>
               <a:rPr lang="en-US" sz="1200" dirty="0">
                 <a:cs typeface="Times New Roman" panose="02020603050405020304" pitchFamily="18" charset="0"/>
                 <a:sym typeface="+mn-ea"/>
               </a:rPr>
-              <a:t>and in</a:t>
+              <a:t>and </a:t>
             </a:r>
             <a:r>
               <a:rPr lang="en-US" sz="1200" b="1" dirty="0">
                 <a:cs typeface="Times New Roman" panose="02020603050405020304" pitchFamily="18" charset="0"/>
                 <a:sym typeface="+mn-ea"/>
               </a:rPr>
-              <a:t> Python</a:t>
+              <a:t>Python.</a:t>
             </a:r>
             <a:endParaRPr lang="en-US" sz="1200" dirty="0">
               <a:cs typeface="Times New Roman" panose="02020603050405020304" pitchFamily="18" charset="0"/>
@@ -14670,6 +14753,9 @@
           </a:p>
           <a:p>
             <a:pPr marL="171450" indent="-171450">
+              <a:lnSpc>
+                <a:spcPct val="150000"/>
+              </a:lnSpc>
               <a:buFont typeface="Arial" panose="020B0604020202020204" pitchFamily="34" charset="0"/>
               <a:buChar char="•"/>
             </a:pPr>
@@ -14685,7 +14771,7 @@
                 <a:cs typeface="Times New Roman" panose="02020603050405020304" pitchFamily="18" charset="0"/>
                 <a:sym typeface="+mn-ea"/>
               </a:rPr>
-              <a:t>HTML5, CSS3,JavaScript,TypeScript,Angular</a:t>
+              <a:t>HTML5, CSS3,JavaScript,TypeScript,Angular.</a:t>
             </a:r>
             <a:endParaRPr lang="en-US" sz="1200" dirty="0">
               <a:cs typeface="Times New Roman" panose="02020603050405020304" pitchFamily="18" charset="0"/>
@@ -14694,6 +14780,9 @@
           </a:p>
           <a:p>
             <a:pPr marL="171450" indent="-171450">
+              <a:lnSpc>
+                <a:spcPct val="150000"/>
+              </a:lnSpc>
               <a:buFont typeface="Arial" panose="020B0604020202020204" pitchFamily="34" charset="0"/>
               <a:buChar char="•"/>
             </a:pPr>
@@ -14709,11 +14798,14 @@
                 <a:cs typeface="Times New Roman" panose="02020603050405020304" pitchFamily="18" charset="0"/>
                 <a:sym typeface="+mn-ea"/>
               </a:rPr>
-              <a:t>Oops Concept</a:t>
+              <a:t>Oops Concept.</a:t>
             </a:r>
           </a:p>
           <a:p>
             <a:pPr marL="171450" indent="-171450">
+              <a:lnSpc>
+                <a:spcPct val="150000"/>
+              </a:lnSpc>
               <a:buFont typeface="Arial" panose="020B0604020202020204" pitchFamily="34" charset="0"/>
               <a:buChar char="•"/>
             </a:pPr>
@@ -14722,27 +14814,28 @@
                 <a:cs typeface="Times New Roman" panose="02020603050405020304" pitchFamily="18" charset="0"/>
                 <a:sym typeface="+mn-ea"/>
               </a:rPr>
-              <a:t>Completing the course on </a:t>
+              <a:t>Currently Completing the </a:t>
             </a:r>
             <a:r>
               <a:rPr lang="en-US" sz="1200" b="1" dirty="0">
                 <a:cs typeface="Times New Roman" panose="02020603050405020304" pitchFamily="18" charset="0"/>
                 <a:sym typeface="+mn-ea"/>
               </a:rPr>
-              <a:t>Azure Fundamentals</a:t>
+              <a:t>AZ-204</a:t>
             </a:r>
             <a:r>
               <a:rPr lang="en-US" sz="1200" dirty="0">
                 <a:cs typeface="Times New Roman" panose="02020603050405020304" pitchFamily="18" charset="0"/>
                 <a:sym typeface="+mn-ea"/>
               </a:rPr>
-              <a:t>.</a:t>
-            </a:r>
-          </a:p>
-          <a:p>
-            <a:pPr marL="171450" indent="-171450">
-              <a:buFont typeface="Arial" panose="020B0604020202020204" pitchFamily="34" charset="0"/>
-              <a:buChar char="•"/>
+              <a:t> Certification.</a:t>
+            </a:r>
+          </a:p>
+          <a:p>
+            <a:pPr>
+              <a:lnSpc>
+                <a:spcPct val="150000"/>
+              </a:lnSpc>
             </a:pPr>
             <a:endParaRPr lang="en-US" altLang="nl-NL" b="1" dirty="0">
               <a:cs typeface="Times New Roman" panose="02020603050405020304" pitchFamily="18" charset="0"/>
@@ -15218,7 +15311,7 @@
           <p:nvPr/>
         </p:nvPicPr>
         <p:blipFill rotWithShape="1">
-          <a:blip r:embed="rId2" cstate="print">
+          <a:blip r:embed="rId3" cstate="print">
             <a:extLst>
               <a:ext uri="{28A0092B-C50C-407E-A947-70E740481C1C}">
                 <a14:useLocalDpi xmlns:a14="http://schemas.microsoft.com/office/drawing/2010/main" val="0"/>
@@ -15506,8 +15599,8 @@
         </p:nvSpPr>
         <p:spPr>
           <a:xfrm>
-            <a:off x="4644221" y="3084635"/>
-            <a:ext cx="4056867" cy="2862322"/>
+            <a:off x="4674742" y="2887038"/>
+            <a:ext cx="4042506" cy="2825004"/>
           </a:xfrm>
           <a:prstGeom prst="rect">
             <a:avLst/>
@@ -15520,31 +15613,11 @@
           </a:bodyPr>
           <a:lstStyle/>
           <a:p>
-            <a:r>
-              <a:rPr lang="en-IN" sz="1200" b="1" dirty="0">
-                <a:latin typeface="+mj-lt"/>
-              </a:rPr>
-              <a:t>Audio Book :</a:t>
-            </a:r>
-          </a:p>
-          <a:p>
-            <a:pPr marL="171450" indent="-171450">
-              <a:buFont typeface="Arial" panose="020B0604020202020204" pitchFamily="34" charset="0"/>
-              <a:buChar char="•"/>
+            <a:pPr>
+              <a:lnSpc>
+                <a:spcPct val="150000"/>
+              </a:lnSpc>
             </a:pPr>
-            <a:r>
-              <a:rPr lang="en-IN" sz="1200" dirty="0">
-                <a:latin typeface="+mj-lt"/>
-              </a:rPr>
-              <a:t>Using Python language created Audio Book’s backend part to convert pdf files into audio files.</a:t>
-            </a:r>
-          </a:p>
-          <a:p>
-            <a:endParaRPr lang="en-IN" sz="1200" dirty="0">
-              <a:latin typeface="+mj-lt"/>
-            </a:endParaRPr>
-          </a:p>
-          <a:p>
             <a:r>
               <a:rPr lang="en-IN" sz="1200" b="1" dirty="0">
                 <a:latin typeface="+mj-lt"/>
@@ -15554,6 +15627,9 @@
           </a:p>
           <a:p>
             <a:pPr marL="171450" indent="-171450">
+              <a:lnSpc>
+                <a:spcPct val="150000"/>
+              </a:lnSpc>
               <a:buFont typeface="Arial" panose="020B0604020202020204" pitchFamily="34" charset="0"/>
               <a:buChar char="•"/>
             </a:pPr>
@@ -15602,6 +15678,9 @@
           </a:p>
           <a:p>
             <a:pPr marL="171450" indent="-171450">
+              <a:lnSpc>
+                <a:spcPct val="150000"/>
+              </a:lnSpc>
               <a:buFont typeface="Arial" panose="020B0604020202020204" pitchFamily="34" charset="0"/>
               <a:buChar char="•"/>
             </a:pPr>
@@ -15659,7 +15738,7 @@
       <p:pic>
         <p:nvPicPr>
           <p:cNvPr id="15" name="Picture 14">
-            <a:hlinkClick r:id="rId3"/>
+            <a:hlinkClick r:id="rId4"/>
             <a:extLst>
               <a:ext uri="{FF2B5EF4-FFF2-40B4-BE49-F238E27FC236}">
                 <a16:creationId xmlns:a16="http://schemas.microsoft.com/office/drawing/2014/main" id="{D261B5F6-FD02-A6C3-9A34-6A979BCBA7DD}"/>
@@ -15672,7 +15751,7 @@
           <p:nvPr/>
         </p:nvPicPr>
         <p:blipFill>
-          <a:blip r:embed="rId4" cstate="print">
+          <a:blip r:embed="rId5" cstate="print">
             <a:extLst>
               <a:ext uri="{28A0092B-C50C-407E-A947-70E740481C1C}">
                 <a14:useLocalDpi xmlns:a14="http://schemas.microsoft.com/office/drawing/2010/main" val="0"/>
@@ -15686,7 +15765,7 @@
         </p:blipFill>
         <p:spPr bwMode="auto">
           <a:xfrm>
-            <a:off x="4317070" y="6148162"/>
+            <a:off x="797639" y="6173157"/>
             <a:ext cx="537379" cy="471488"/>
           </a:xfrm>
           <a:prstGeom prst="rect">
@@ -15717,6 +15796,269 @@
           </a:extLst>
         </p:spPr>
       </p:pic>
+      <p:sp>
+        <p:nvSpPr>
+          <p:cNvPr id="19" name="TextBox 3">
+            <a:extLst>
+              <a:ext uri="{FF2B5EF4-FFF2-40B4-BE49-F238E27FC236}">
+                <a16:creationId xmlns:a16="http://schemas.microsoft.com/office/drawing/2014/main" id="{8EEEDFD0-1D64-9F3B-6CE5-DDE4706E536F}"/>
+              </a:ext>
+            </a:extLst>
+          </p:cNvPr>
+          <p:cNvSpPr txBox="1">
+            <a:spLocks noChangeArrowheads="1"/>
+          </p:cNvSpPr>
+          <p:nvPr/>
+        </p:nvSpPr>
+        <p:spPr bwMode="auto">
+          <a:xfrm>
+            <a:off x="1370121" y="6213758"/>
+            <a:ext cx="2853053" cy="430887"/>
+          </a:xfrm>
+          <a:prstGeom prst="rect">
+            <a:avLst/>
+          </a:prstGeom>
+          <a:noFill/>
+          <a:ln>
+            <a:noFill/>
+          </a:ln>
+          <a:extLst>
+            <a:ext uri="{909E8E84-426E-40DD-AFC4-6F175D3DCCD1}">
+              <a14:hiddenFill xmlns:a14="http://schemas.microsoft.com/office/drawing/2010/main">
+                <a:solidFill>
+                  <a:srgbClr val="FFFFFF"/>
+                </a:solidFill>
+              </a14:hiddenFill>
+            </a:ext>
+            <a:ext uri="{91240B29-F687-4F45-9708-019B960494DF}">
+              <a14:hiddenLine xmlns:a14="http://schemas.microsoft.com/office/drawing/2010/main" w="9525">
+                <a:solidFill>
+                  <a:srgbClr val="000000"/>
+                </a:solidFill>
+                <a:miter lim="800000"/>
+                <a:headEnd/>
+                <a:tailEnd/>
+              </a14:hiddenLine>
+            </a:ext>
+          </a:extLst>
+        </p:spPr>
+        <p:txBody>
+          <a:bodyPr wrap="square">
+            <a:spAutoFit/>
+          </a:bodyPr>
+          <a:lstStyle>
+            <a:defPPr>
+              <a:defRPr lang="pt-PT"/>
+            </a:defPPr>
+            <a:lvl1pPr marL="0" algn="l" defTabSz="914400" rtl="0" eaLnBrk="1" latinLnBrk="0" hangingPunct="1">
+              <a:defRPr sz="1800" kern="1200">
+                <a:solidFill>
+                  <a:schemeClr val="tx1"/>
+                </a:solidFill>
+                <a:latin typeface="+mn-lt"/>
+                <a:ea typeface="+mn-ea"/>
+                <a:cs typeface="+mn-cs"/>
+              </a:defRPr>
+            </a:lvl1pPr>
+            <a:lvl2pPr marL="457200" algn="l" defTabSz="914400" rtl="0" eaLnBrk="1" latinLnBrk="0" hangingPunct="1">
+              <a:defRPr sz="1800" kern="1200">
+                <a:solidFill>
+                  <a:schemeClr val="tx1"/>
+                </a:solidFill>
+                <a:latin typeface="+mn-lt"/>
+                <a:ea typeface="+mn-ea"/>
+                <a:cs typeface="+mn-cs"/>
+              </a:defRPr>
+            </a:lvl2pPr>
+            <a:lvl3pPr marL="914400" algn="l" defTabSz="914400" rtl="0" eaLnBrk="1" latinLnBrk="0" hangingPunct="1">
+              <a:defRPr sz="1800" kern="1200">
+                <a:solidFill>
+                  <a:schemeClr val="tx1"/>
+                </a:solidFill>
+                <a:latin typeface="+mn-lt"/>
+                <a:ea typeface="+mn-ea"/>
+                <a:cs typeface="+mn-cs"/>
+              </a:defRPr>
+            </a:lvl3pPr>
+            <a:lvl4pPr marL="1371600" algn="l" defTabSz="914400" rtl="0" eaLnBrk="1" latinLnBrk="0" hangingPunct="1">
+              <a:defRPr sz="1800" kern="1200">
+                <a:solidFill>
+                  <a:schemeClr val="tx1"/>
+                </a:solidFill>
+                <a:latin typeface="+mn-lt"/>
+                <a:ea typeface="+mn-ea"/>
+                <a:cs typeface="+mn-cs"/>
+              </a:defRPr>
+            </a:lvl4pPr>
+            <a:lvl5pPr marL="1828800" algn="l" defTabSz="914400" rtl="0" eaLnBrk="1" latinLnBrk="0" hangingPunct="1">
+              <a:defRPr sz="1800" kern="1200">
+                <a:solidFill>
+                  <a:schemeClr val="tx1"/>
+                </a:solidFill>
+                <a:latin typeface="+mn-lt"/>
+                <a:ea typeface="+mn-ea"/>
+                <a:cs typeface="+mn-cs"/>
+              </a:defRPr>
+            </a:lvl5pPr>
+            <a:lvl6pPr marL="2286000" algn="l" defTabSz="914400" rtl="0" eaLnBrk="1" latinLnBrk="0" hangingPunct="1">
+              <a:defRPr sz="1800" kern="1200">
+                <a:solidFill>
+                  <a:schemeClr val="tx1"/>
+                </a:solidFill>
+                <a:latin typeface="+mn-lt"/>
+                <a:ea typeface="+mn-ea"/>
+                <a:cs typeface="+mn-cs"/>
+              </a:defRPr>
+            </a:lvl6pPr>
+            <a:lvl7pPr marL="2743200" algn="l" defTabSz="914400" rtl="0" eaLnBrk="1" latinLnBrk="0" hangingPunct="1">
+              <a:defRPr sz="1800" kern="1200">
+                <a:solidFill>
+                  <a:schemeClr val="tx1"/>
+                </a:solidFill>
+                <a:latin typeface="+mn-lt"/>
+                <a:ea typeface="+mn-ea"/>
+                <a:cs typeface="+mn-cs"/>
+              </a:defRPr>
+            </a:lvl7pPr>
+            <a:lvl8pPr marL="3200400" algn="l" defTabSz="914400" rtl="0" eaLnBrk="1" latinLnBrk="0" hangingPunct="1">
+              <a:defRPr sz="1800" kern="1200">
+                <a:solidFill>
+                  <a:schemeClr val="tx1"/>
+                </a:solidFill>
+                <a:latin typeface="+mn-lt"/>
+                <a:ea typeface="+mn-ea"/>
+                <a:cs typeface="+mn-cs"/>
+              </a:defRPr>
+            </a:lvl8pPr>
+            <a:lvl9pPr marL="3657600" algn="l" defTabSz="914400" rtl="0" eaLnBrk="1" latinLnBrk="0" hangingPunct="1">
+              <a:defRPr sz="1800" kern="1200">
+                <a:solidFill>
+                  <a:schemeClr val="tx1"/>
+                </a:solidFill>
+                <a:latin typeface="+mn-lt"/>
+                <a:ea typeface="+mn-ea"/>
+                <a:cs typeface="+mn-cs"/>
+              </a:defRPr>
+            </a:lvl9pPr>
+          </a:lstStyle>
+          <a:p>
+            <a:pPr marL="0" marR="0" lvl="0" indent="0" algn="l" defTabSz="914400" rtl="0" eaLnBrk="1" fontAlgn="auto" latinLnBrk="0" hangingPunct="1">
+              <a:lnSpc>
+                <a:spcPct val="100000"/>
+              </a:lnSpc>
+              <a:spcBef>
+                <a:spcPts val="0"/>
+              </a:spcBef>
+              <a:spcAft>
+                <a:spcPts val="0"/>
+              </a:spcAft>
+              <a:buClrTx/>
+              <a:buSzTx/>
+              <a:buFontTx/>
+              <a:buNone/>
+              <a:defRPr/>
+            </a:pPr>
+            <a:r>
+              <a:rPr kumimoji="0" lang="en-IN" altLang="en-US" sz="1100" b="0" i="0" u="none" strike="noStrike" kern="1200" cap="none" spc="0" normalizeH="0" baseline="0" noProof="0" dirty="0">
+                <a:ln>
+                  <a:noFill/>
+                </a:ln>
+                <a:solidFill>
+                  <a:prstClr val="black"/>
+                </a:solidFill>
+                <a:effectLst/>
+                <a:uLnTx/>
+                <a:uFillTx/>
+                <a:latin typeface="Verdana" panose="020B0604030504040204" pitchFamily="34" charset="0"/>
+                <a:ea typeface="+mn-ea"/>
+                <a:cs typeface="+mn-cs"/>
+              </a:rPr>
+              <a:t>https://github.com/Shahzadi-Shaikh/Flight_Booking_System</a:t>
+            </a:r>
+          </a:p>
+        </p:txBody>
+      </p:sp>
+      <p:sp>
+        <p:nvSpPr>
+          <p:cNvPr id="28" name="TextBox 27">
+            <a:extLst>
+              <a:ext uri="{FF2B5EF4-FFF2-40B4-BE49-F238E27FC236}">
+                <a16:creationId xmlns:a16="http://schemas.microsoft.com/office/drawing/2014/main" id="{5B1FE5C1-EB8A-45E1-A85C-E25623AAF899}"/>
+              </a:ext>
+            </a:extLst>
+          </p:cNvPr>
+          <p:cNvSpPr txBox="1"/>
+          <p:nvPr/>
+        </p:nvSpPr>
+        <p:spPr>
+          <a:xfrm>
+            <a:off x="4842047" y="5808455"/>
+            <a:ext cx="3663992" cy="861774"/>
+          </a:xfrm>
+          <a:prstGeom prst="rect">
+            <a:avLst/>
+          </a:prstGeom>
+          <a:noFill/>
+        </p:spPr>
+        <p:txBody>
+          <a:bodyPr wrap="square">
+            <a:spAutoFit/>
+          </a:bodyPr>
+          <a:lstStyle/>
+          <a:p>
+            <a:r>
+              <a:rPr lang="en-IN" sz="1400" b="1" dirty="0">
+                <a:solidFill>
+                  <a:schemeClr val="accent1"/>
+                </a:solidFill>
+                <a:latin typeface="+mj-lt"/>
+              </a:rPr>
+              <a:t>Certifications</a:t>
+            </a:r>
+          </a:p>
+          <a:p>
+            <a:endParaRPr lang="en-IN" sz="1200" b="1" dirty="0">
+              <a:latin typeface="+mj-lt"/>
+            </a:endParaRPr>
+          </a:p>
+          <a:p>
+            <a:pPr marL="171450" indent="-171450">
+              <a:buFont typeface="Arial" panose="020B0604020202020204" pitchFamily="34" charset="0"/>
+              <a:buChar char="•"/>
+            </a:pPr>
+            <a:r>
+              <a:rPr lang="en-IN" sz="1200" dirty="0">
+                <a:latin typeface="+mj-lt"/>
+              </a:rPr>
+              <a:t>Azure Fundamentals  </a:t>
+            </a:r>
+            <a:r>
+              <a:rPr lang="en-IN" sz="1200" b="1" dirty="0">
+                <a:latin typeface="+mj-lt"/>
+              </a:rPr>
+              <a:t>(AZ-900)</a:t>
+            </a:r>
+          </a:p>
+          <a:p>
+            <a:pPr marL="171450" indent="-171450">
+              <a:buFont typeface="Arial" panose="020B0604020202020204" pitchFamily="34" charset="0"/>
+              <a:buChar char="•"/>
+            </a:pPr>
+            <a:r>
+              <a:rPr lang="en-IN" sz="1200" dirty="0">
+                <a:latin typeface="+mj-lt"/>
+              </a:rPr>
+              <a:t>Azure Administrator  </a:t>
+            </a:r>
+            <a:r>
+              <a:rPr lang="en-IN" sz="1200" b="1" dirty="0">
+                <a:latin typeface="+mj-lt"/>
+              </a:rPr>
+              <a:t>(AZ-104)</a:t>
+            </a:r>
+          </a:p>
+        </p:txBody>
+      </p:sp>
     </p:spTree>
     <p:extLst>
       <p:ext uri="{BB962C8B-B14F-4D97-AF65-F5344CB8AC3E}">
